--- a/Sprint/Sprint 1 - 2/Sprint.pptx
+++ b/Sprint/Sprint 1 - 2/Sprint.pptx
@@ -32,24 +32,24 @@
       <p:boldItalic r:id="rId18"/>
     </p:embeddedFont>
     <p:embeddedFont>
-      <p:font typeface="Gill Sans MT" panose="020B0502020104020203" pitchFamily="34" charset="0"/>
+      <p:font typeface="Arial Bold" panose="020B0704020202020204" pitchFamily="34" charset="0"/>
       <p:regular r:id="rId19"/>
       <p:bold r:id="rId20"/>
-      <p:italic r:id="rId21"/>
-      <p:boldItalic r:id="rId22"/>
+    </p:embeddedFont>
+    <p:embeddedFont>
+      <p:font typeface="Gill Sans MT" panose="020B0502020104020203" pitchFamily="34" charset="0"/>
+      <p:regular r:id="rId21"/>
+      <p:bold r:id="rId22"/>
+      <p:italic r:id="rId23"/>
+      <p:boldItalic r:id="rId24"/>
+    </p:embeddedFont>
+    <p:embeddedFont>
+      <p:font typeface="Arimo" panose="020B0604020202020204" charset="0"/>
+      <p:regular r:id="rId25"/>
     </p:embeddedFont>
     <p:embeddedFont>
       <p:font typeface="Arial" panose="020B0604020202020204" pitchFamily="34" charset="0"/>
-      <p:regular r:id="rId23"/>
-    </p:embeddedFont>
-    <p:embeddedFont>
-      <p:font typeface="Arimo" panose="020B0604020202020204" charset="0"/>
-      <p:regular r:id="rId24"/>
-    </p:embeddedFont>
-    <p:embeddedFont>
-      <p:font typeface="Arial Bold" panose="020B0704020202020204" pitchFamily="34" charset="0"/>
-      <p:regular r:id="rId25"/>
-      <p:bold r:id="rId26"/>
+      <p:regular r:id="rId26"/>
     </p:embeddedFont>
   </p:embeddedFontLst>
   <p:defaultTextStyle>
@@ -248,7 +248,7 @@
           <a:p>
             <a:fld id="{BCFAB108-D3B8-4F59-BE4A-F06A812D6C08}" type="datetimeFigureOut">
               <a:rPr lang="en-US" smtClean="0"/>
-              <a:t>4/3/2023</a:t>
+              <a:t>4/17/2023</a:t>
             </a:fld>
             <a:endParaRPr lang="en-US"/>
           </a:p>
@@ -764,7 +764,7 @@
             <a:fld id="{1D8BD707-D9CF-40AE-B4C6-C98DA3205C09}" type="datetimeFigureOut">
               <a:rPr lang="en-US" smtClean="0"/>
               <a:pPr/>
-              <a:t>4/3/2023</a:t>
+              <a:t>4/17/2023</a:t>
             </a:fld>
             <a:endParaRPr lang="en-US"/>
           </a:p>
@@ -936,7 +936,7 @@
             <a:fld id="{1D8BD707-D9CF-40AE-B4C6-C98DA3205C09}" type="datetimeFigureOut">
               <a:rPr lang="en-US" smtClean="0"/>
               <a:pPr/>
-              <a:t>4/3/2023</a:t>
+              <a:t>4/17/2023</a:t>
             </a:fld>
             <a:endParaRPr lang="en-US"/>
           </a:p>
@@ -1118,7 +1118,7 @@
             <a:fld id="{1D8BD707-D9CF-40AE-B4C6-C98DA3205C09}" type="datetimeFigureOut">
               <a:rPr lang="en-US" smtClean="0"/>
               <a:pPr/>
-              <a:t>4/3/2023</a:t>
+              <a:t>4/17/2023</a:t>
             </a:fld>
             <a:endParaRPr lang="en-US"/>
           </a:p>
@@ -1290,7 +1290,7 @@
             <a:fld id="{1D8BD707-D9CF-40AE-B4C6-C98DA3205C09}" type="datetimeFigureOut">
               <a:rPr lang="en-US" smtClean="0"/>
               <a:pPr/>
-              <a:t>4/3/2023</a:t>
+              <a:t>4/17/2023</a:t>
             </a:fld>
             <a:endParaRPr lang="en-US"/>
           </a:p>
@@ -1560,7 +1560,7 @@
             <a:fld id="{1D8BD707-D9CF-40AE-B4C6-C98DA3205C09}" type="datetimeFigureOut">
               <a:rPr lang="en-US" smtClean="0"/>
               <a:pPr/>
-              <a:t>4/3/2023</a:t>
+              <a:t>4/17/2023</a:t>
             </a:fld>
             <a:endParaRPr lang="en-US"/>
           </a:p>
@@ -1794,7 +1794,7 @@
             <a:fld id="{1D8BD707-D9CF-40AE-B4C6-C98DA3205C09}" type="datetimeFigureOut">
               <a:rPr lang="en-US" smtClean="0"/>
               <a:pPr/>
-              <a:t>4/3/2023</a:t>
+              <a:t>4/17/2023</a:t>
             </a:fld>
             <a:endParaRPr lang="en-US"/>
           </a:p>
@@ -2155,7 +2155,7 @@
             <a:fld id="{1D8BD707-D9CF-40AE-B4C6-C98DA3205C09}" type="datetimeFigureOut">
               <a:rPr lang="en-US" smtClean="0"/>
               <a:pPr/>
-              <a:t>4/3/2023</a:t>
+              <a:t>4/17/2023</a:t>
             </a:fld>
             <a:endParaRPr lang="en-US"/>
           </a:p>
@@ -2298,7 +2298,7 @@
             <a:fld id="{1D8BD707-D9CF-40AE-B4C6-C98DA3205C09}" type="datetimeFigureOut">
               <a:rPr lang="en-US" smtClean="0"/>
               <a:pPr/>
-              <a:t>4/3/2023</a:t>
+              <a:t>4/17/2023</a:t>
             </a:fld>
             <a:endParaRPr lang="en-US"/>
           </a:p>
@@ -2395,7 +2395,7 @@
             <a:fld id="{1D8BD707-D9CF-40AE-B4C6-C98DA3205C09}" type="datetimeFigureOut">
               <a:rPr lang="en-US" smtClean="0"/>
               <a:pPr/>
-              <a:t>4/3/2023</a:t>
+              <a:t>4/17/2023</a:t>
             </a:fld>
             <a:endParaRPr lang="en-US"/>
           </a:p>
@@ -2754,7 +2754,7 @@
             <a:fld id="{1D8BD707-D9CF-40AE-B4C6-C98DA3205C09}" type="datetimeFigureOut">
               <a:rPr lang="en-US" smtClean="0"/>
               <a:pPr/>
-              <a:t>4/3/2023</a:t>
+              <a:t>4/17/2023</a:t>
             </a:fld>
             <a:endParaRPr lang="en-US"/>
           </a:p>
@@ -3113,7 +3113,7 @@
             <a:fld id="{1D8BD707-D9CF-40AE-B4C6-C98DA3205C09}" type="datetimeFigureOut">
               <a:rPr lang="en-US" smtClean="0"/>
               <a:pPr/>
-              <a:t>4/3/2023</a:t>
+              <a:t>4/17/2023</a:t>
             </a:fld>
             <a:endParaRPr lang="en-US"/>
           </a:p>
@@ -3356,7 +3356,7 @@
             <a:fld id="{1D8BD707-D9CF-40AE-B4C6-C98DA3205C09}" type="datetimeFigureOut">
               <a:rPr lang="en-US" smtClean="0"/>
               <a:pPr/>
-              <a:t>4/3/2023</a:t>
+              <a:t>4/17/2023</a:t>
             </a:fld>
             <a:endParaRPr lang="en-US"/>
           </a:p>
@@ -6047,7 +6047,7 @@
           <p:nvPr>
             <p:extLst>
               <p:ext uri="{D42A27DB-BD31-4B8C-83A1-F6EECF244321}">
-                <p14:modId xmlns:p14="http://schemas.microsoft.com/office/powerpoint/2010/main" val="1482313020"/>
+                <p14:modId xmlns:p14="http://schemas.microsoft.com/office/powerpoint/2010/main" val="234407916"/>
               </p:ext>
             </p:extLst>
           </p:nvPr>
@@ -6259,14 +6259,7 @@
                           <a:latin typeface="Arial" panose="020B0604020202020204" pitchFamily="34" charset="0"/>
                           <a:cs typeface="Arial" panose="020B0604020202020204" pitchFamily="34" charset="0"/>
                         </a:rPr>
-                        <a:t>1 </a:t>
-                      </a:r>
-                      <a:r>
-                        <a:rPr lang="en-US" sz="2800" dirty="0" smtClean="0">
-                          <a:latin typeface="Arial" panose="020B0604020202020204" pitchFamily="34" charset="0"/>
-                          <a:cs typeface="Arial" panose="020B0604020202020204" pitchFamily="34" charset="0"/>
-                        </a:rPr>
-                        <a:t>tuần</a:t>
+                        <a:t>1 tuần</a:t>
                       </a:r>
                       <a:endParaRPr lang="en-US" sz="2800" dirty="0">
                         <a:latin typeface="Arial" panose="020B0604020202020204" pitchFamily="34" charset="0"/>
@@ -6329,13 +6322,13 @@
                         </a:lnSpc>
                       </a:pPr>
                       <a:r>
-                        <a:rPr lang="en-US" sz="2800" spc="149" dirty="0" smtClean="0">
+                        <a:rPr lang="en-US" sz="2800" spc="149" baseline="0" dirty="0" smtClean="0">
                           <a:solidFill>
                             <a:srgbClr val="191919"/>
                           </a:solidFill>
                           <a:latin typeface="Arimo"/>
                         </a:rPr>
-                        <a:t>Xây dựng giao diện, chức năng trang Admin</a:t>
+                        <a:t>Quản lý trang tin tức</a:t>
                       </a:r>
                       <a:endParaRPr lang="en-US" sz="2800" spc="149" dirty="0">
                         <a:solidFill>
@@ -6426,7 +6419,25 @@
                           </a:solidFill>
                           <a:latin typeface="Arimo"/>
                         </a:rPr>
-                        <a:t>Quản lý bài viết, sản phẩm</a:t>
+                        <a:t>Quản lý </a:t>
+                      </a:r>
+                      <a:r>
+                        <a:rPr lang="en-US" sz="2800" spc="149" smtClean="0">
+                          <a:solidFill>
+                            <a:srgbClr val="191919"/>
+                          </a:solidFill>
+                          <a:latin typeface="Arimo"/>
+                        </a:rPr>
+                        <a:t>bài </a:t>
+                      </a:r>
+                      <a:r>
+                        <a:rPr lang="en-US" sz="2800" spc="149" smtClean="0">
+                          <a:solidFill>
+                            <a:srgbClr val="191919"/>
+                          </a:solidFill>
+                          <a:latin typeface="Arimo"/>
+                        </a:rPr>
+                        <a:t>viết</a:t>
                       </a:r>
                       <a:endParaRPr lang="vi-VN" sz="2800" b="0" i="0" kern="1200" dirty="0">
                         <a:solidFill>
@@ -6884,10 +6895,6 @@
               </a:rPr>
               <a:t>2</a:t>
             </a:r>
-            <a:endParaRPr lang="en-US" sz="8800" b="1" dirty="0">
-              <a:latin typeface="Arial" panose="020B0604020202020204" pitchFamily="34" charset="0"/>
-              <a:cs typeface="Arial" panose="020B0604020202020204" pitchFamily="34" charset="0"/>
-            </a:endParaRPr>
           </a:p>
         </p:txBody>
       </p:sp>
